--- a/Auto-Sokoban.pptx
+++ b/Auto-Sokoban.pptx
@@ -5,7 +5,7 @@
     <p:sldMasterId id="2147483648" r:id="rId1"/>
   </p:sldMasterIdLst>
   <p:notesMasterIdLst>
-    <p:notesMasterId r:id="rId16"/>
+    <p:notesMasterId r:id="rId15"/>
   </p:notesMasterIdLst>
   <p:sldIdLst>
     <p:sldId id="256" r:id="rId2"/>
@@ -18,10 +18,9 @@
     <p:sldId id="328" r:id="rId9"/>
     <p:sldId id="329" r:id="rId10"/>
     <p:sldId id="330" r:id="rId11"/>
-    <p:sldId id="333" r:id="rId12"/>
-    <p:sldId id="335" r:id="rId13"/>
-    <p:sldId id="336" r:id="rId14"/>
-    <p:sldId id="337" r:id="rId15"/>
+    <p:sldId id="335" r:id="rId12"/>
+    <p:sldId id="336" r:id="rId13"/>
+    <p:sldId id="337" r:id="rId14"/>
   </p:sldIdLst>
   <p:sldSz cx="12192000" cy="6858000"/>
   <p:notesSz cx="6858000" cy="9144000"/>
@@ -4167,7 +4166,7 @@
         </p:nvSpPr>
         <p:spPr>
           <a:xfrm>
-            <a:off x="621792" y="695252"/>
+            <a:off x="575610" y="900838"/>
             <a:ext cx="10771632" cy="4207370"/>
           </a:xfrm>
           <a:prstGeom prst="rect">
@@ -4188,7 +4187,7 @@
             </a:pPr>
             <a:r>
               <a:rPr lang="en-US" b="1" dirty="0"/>
-              <a:t> Gameplay Features (Part 1 )</a:t>
+              <a:t> Gameplay Features (Part 2 )</a:t>
             </a:r>
           </a:p>
           <a:p>
@@ -4452,6 +4451,37 @@
           <a:xfrm>
             <a:off x="5556504" y="5272732"/>
             <a:ext cx="890016" cy="890016"/>
+          </a:xfrm>
+          <a:prstGeom prst="rect">
+            <a:avLst/>
+          </a:prstGeom>
+        </p:spPr>
+      </p:pic>
+      <p:pic>
+        <p:nvPicPr>
+          <p:cNvPr id="4" name="Picture 3">
+            <a:extLst>
+              <a:ext uri="{FF2B5EF4-FFF2-40B4-BE49-F238E27FC236}">
+                <a16:creationId xmlns:a16="http://schemas.microsoft.com/office/drawing/2014/main" id="{EA5873E0-745A-1081-4C0E-C40FF92835CC}"/>
+              </a:ext>
+            </a:extLst>
+          </p:cNvPr>
+          <p:cNvPicPr>
+            <a:picLocks noChangeAspect="1"/>
+          </p:cNvPicPr>
+          <p:nvPr/>
+        </p:nvPicPr>
+        <p:blipFill>
+          <a:blip r:embed="rId9"/>
+          <a:srcRect t="1699"/>
+          <a:stretch>
+            <a:fillRect/>
+          </a:stretch>
+        </p:blipFill>
+        <p:spPr>
+          <a:xfrm>
+            <a:off x="5695327" y="94174"/>
+            <a:ext cx="3984382" cy="2310775"/>
           </a:xfrm>
           <a:prstGeom prst="rect">
             <a:avLst/>
@@ -4472,344 +4502,6 @@
 </file>
 
 <file path=ppt/slides/slide11.xml><?xml version="1.0" encoding="utf-8"?>
-<p:sld xmlns:a="http://schemas.openxmlformats.org/drawingml/2006/main" xmlns:r="http://schemas.openxmlformats.org/officeDocument/2006/relationships" xmlns:p="http://schemas.openxmlformats.org/presentationml/2006/main">
-  <p:cSld>
-    <p:spTree>
-      <p:nvGrpSpPr>
-        <p:cNvPr id="1" name="">
-          <a:extLst>
-            <a:ext uri="{FF2B5EF4-FFF2-40B4-BE49-F238E27FC236}">
-              <a16:creationId xmlns:a16="http://schemas.microsoft.com/office/drawing/2014/main" id="{312AF629-61E9-71CC-E78E-869F6028BEC9}"/>
-            </a:ext>
-          </a:extLst>
-        </p:cNvPr>
-        <p:cNvGrpSpPr/>
-        <p:nvPr/>
-      </p:nvGrpSpPr>
-      <p:grpSpPr>
-        <a:xfrm>
-          <a:off x="0" y="0"/>
-          <a:ext cx="0" cy="0"/>
-          <a:chOff x="0" y="0"/>
-          <a:chExt cx="0" cy="0"/>
-        </a:xfrm>
-      </p:grpSpPr>
-      <p:pic>
-        <p:nvPicPr>
-          <p:cNvPr id="7" name="Picture 6">
-            <a:extLst>
-              <a:ext uri="{FF2B5EF4-FFF2-40B4-BE49-F238E27FC236}">
-                <a16:creationId xmlns:a16="http://schemas.microsoft.com/office/drawing/2014/main" id="{C58850F7-5162-F912-D7E8-3AE64DE58784}"/>
-              </a:ext>
-            </a:extLst>
-          </p:cNvPr>
-          <p:cNvPicPr>
-            <a:picLocks noChangeAspect="1"/>
-          </p:cNvPicPr>
-          <p:nvPr/>
-        </p:nvPicPr>
-        <p:blipFill>
-          <a:blip r:embed="rId2">
-            <a:extLst>
-              <a:ext uri="{BEBA8EAE-BF5A-486C-A8C5-ECC9F3942E4B}">
-                <a14:imgProps xmlns:a14="http://schemas.microsoft.com/office/drawing/2010/main">
-                  <a14:imgLayer r:embed="rId3">
-                    <a14:imgEffect>
-                      <a14:saturation sat="0"/>
-                    </a14:imgEffect>
-                  </a14:imgLayer>
-                </a14:imgProps>
-              </a:ext>
-            </a:extLst>
-          </a:blip>
-          <a:srcRect l="65947" r="3227" b="69068"/>
-          <a:stretch/>
-        </p:blipFill>
-        <p:spPr>
-          <a:xfrm>
-            <a:off x="10291479" y="111053"/>
-            <a:ext cx="1730697" cy="543598"/>
-          </a:xfrm>
-          <a:prstGeom prst="rect">
-            <a:avLst/>
-          </a:prstGeom>
-        </p:spPr>
-      </p:pic>
-      <p:sp>
-        <p:nvSpPr>
-          <p:cNvPr id="2" name="TextBox 1">
-            <a:extLst>
-              <a:ext uri="{FF2B5EF4-FFF2-40B4-BE49-F238E27FC236}">
-                <a16:creationId xmlns:a16="http://schemas.microsoft.com/office/drawing/2014/main" id="{CE141333-602D-5E56-BAD5-160A67BBB583}"/>
-              </a:ext>
-            </a:extLst>
-          </p:cNvPr>
-          <p:cNvSpPr txBox="1"/>
-          <p:nvPr/>
-        </p:nvSpPr>
-        <p:spPr>
-          <a:xfrm>
-            <a:off x="177755" y="6532994"/>
-            <a:ext cx="2667762" cy="230832"/>
-          </a:xfrm>
-          <a:prstGeom prst="rect">
-            <a:avLst/>
-          </a:prstGeom>
-          <a:noFill/>
-        </p:spPr>
-        <p:txBody>
-          <a:bodyPr wrap="square" rtlCol="0">
-            <a:spAutoFit/>
-          </a:bodyPr>
-          <a:lstStyle/>
-          <a:p>
-            <a:r>
-              <a:rPr lang="en-US" sz="900" dirty="0">
-                <a:solidFill>
-                  <a:schemeClr val="bg1">
-                    <a:lumMod val="65000"/>
-                  </a:schemeClr>
-                </a:solidFill>
-              </a:rPr>
-              <a:t>Presented by: Redha &amp; Rooney</a:t>
-            </a:r>
-            <a:endParaRPr lang="fr-FR" sz="900" dirty="0">
-              <a:solidFill>
-                <a:schemeClr val="bg1">
-                  <a:lumMod val="65000"/>
-                </a:schemeClr>
-              </a:solidFill>
-            </a:endParaRPr>
-          </a:p>
-        </p:txBody>
-      </p:sp>
-      <p:sp>
-        <p:nvSpPr>
-          <p:cNvPr id="3" name="TextBox 2">
-            <a:extLst>
-              <a:ext uri="{FF2B5EF4-FFF2-40B4-BE49-F238E27FC236}">
-                <a16:creationId xmlns:a16="http://schemas.microsoft.com/office/drawing/2014/main" id="{6517E53A-C428-A214-D86D-CEB331795BD9}"/>
-              </a:ext>
-            </a:extLst>
-          </p:cNvPr>
-          <p:cNvSpPr txBox="1"/>
-          <p:nvPr/>
-        </p:nvSpPr>
-        <p:spPr>
-          <a:xfrm>
-            <a:off x="11244406" y="6582892"/>
-            <a:ext cx="777770" cy="230832"/>
-          </a:xfrm>
-          <a:prstGeom prst="rect">
-            <a:avLst/>
-          </a:prstGeom>
-          <a:noFill/>
-        </p:spPr>
-        <p:txBody>
-          <a:bodyPr wrap="square" rtlCol="0">
-            <a:spAutoFit/>
-          </a:bodyPr>
-          <a:lstStyle/>
-          <a:p>
-            <a:r>
-              <a:rPr lang="en-US" sz="900" dirty="0">
-                <a:solidFill>
-                  <a:schemeClr val="bg1">
-                    <a:lumMod val="65000"/>
-                  </a:schemeClr>
-                </a:solidFill>
-              </a:rPr>
-              <a:t>03/07/2025</a:t>
-            </a:r>
-            <a:endParaRPr lang="fr-FR" sz="900" dirty="0">
-              <a:solidFill>
-                <a:schemeClr val="bg1">
-                  <a:lumMod val="65000"/>
-                </a:schemeClr>
-              </a:solidFill>
-            </a:endParaRPr>
-          </a:p>
-        </p:txBody>
-      </p:sp>
-      <p:pic>
-        <p:nvPicPr>
-          <p:cNvPr id="5" name="Picture 4">
-            <a:extLst>
-              <a:ext uri="{FF2B5EF4-FFF2-40B4-BE49-F238E27FC236}">
-                <a16:creationId xmlns:a16="http://schemas.microsoft.com/office/drawing/2014/main" id="{6E718A1C-CB41-108C-8940-B29BC461D84F}"/>
-              </a:ext>
-            </a:extLst>
-          </p:cNvPr>
-          <p:cNvPicPr>
-            <a:picLocks noChangeAspect="1"/>
-          </p:cNvPicPr>
-          <p:nvPr/>
-        </p:nvPicPr>
-        <p:blipFill>
-          <a:blip r:embed="rId4">
-            <a:extLst>
-              <a:ext uri="{BEBA8EAE-BF5A-486C-A8C5-ECC9F3942E4B}">
-                <a14:imgProps xmlns:a14="http://schemas.microsoft.com/office/drawing/2010/main">
-                  <a14:imgLayer r:embed="rId5">
-                    <a14:imgEffect>
-                      <a14:saturation sat="0"/>
-                    </a14:imgEffect>
-                  </a14:imgLayer>
-                </a14:imgProps>
-              </a:ext>
-            </a:extLst>
-          </a:blip>
-          <a:srcRect r="45175" b="40540"/>
-          <a:stretch>
-            <a:fillRect/>
-          </a:stretch>
-        </p:blipFill>
-        <p:spPr>
-          <a:xfrm>
-            <a:off x="91441" y="94174"/>
-            <a:ext cx="1636776" cy="532904"/>
-          </a:xfrm>
-          <a:prstGeom prst="rect">
-            <a:avLst/>
-          </a:prstGeom>
-        </p:spPr>
-      </p:pic>
-      <p:sp>
-        <p:nvSpPr>
-          <p:cNvPr id="9" name="TextBox 8">
-            <a:extLst>
-              <a:ext uri="{FF2B5EF4-FFF2-40B4-BE49-F238E27FC236}">
-                <a16:creationId xmlns:a16="http://schemas.microsoft.com/office/drawing/2014/main" id="{D34DE199-A011-58CF-CCB8-5417976031F9}"/>
-              </a:ext>
-            </a:extLst>
-          </p:cNvPr>
-          <p:cNvSpPr txBox="1"/>
-          <p:nvPr/>
-        </p:nvSpPr>
-        <p:spPr>
-          <a:xfrm>
-            <a:off x="594360" y="1179379"/>
-            <a:ext cx="4700016" cy="4801314"/>
-          </a:xfrm>
-          <a:prstGeom prst="rect">
-            <a:avLst/>
-          </a:prstGeom>
-          <a:noFill/>
-        </p:spPr>
-        <p:txBody>
-          <a:bodyPr wrap="square">
-            <a:spAutoFit/>
-          </a:bodyPr>
-          <a:lstStyle/>
-          <a:p>
-            <a:r>
-              <a:rPr lang="en-US" dirty="0"/>
-              <a:t>Feature Highlight: The Level Editor</a:t>
-            </a:r>
-          </a:p>
-          <a:p>
-            <a:r>
-              <a:rPr lang="en-US" dirty="0"/>
-              <a:t>Beyond the Assignment: Fostering Creativity</a:t>
-            </a:r>
-          </a:p>
-          <a:p>
-            <a:r>
-              <a:rPr lang="en-US" dirty="0"/>
-              <a:t>To make the project truly special, we added a complete in-game level editor.</a:t>
-            </a:r>
-          </a:p>
-          <a:p>
-            <a:r>
-              <a:rPr lang="en-US" dirty="0"/>
-              <a:t>Features:</a:t>
-            </a:r>
-          </a:p>
-          <a:p>
-            <a:r>
-              <a:rPr lang="en-US" dirty="0"/>
-              <a:t>Intuitive UI: Simple paint/stamp tools to design a layout.</a:t>
-            </a:r>
-          </a:p>
-          <a:p>
-            <a:r>
-              <a:rPr lang="en-US" dirty="0"/>
-              <a:t>Real-time Validation: The editor checks for valid rules (1 player, equal boxes/targets).</a:t>
-            </a:r>
-          </a:p>
-          <a:p>
-            <a:r>
-              <a:rPr lang="en-US" dirty="0"/>
-              <a:t>Solvability Check: On saving, the editor automatically runs our BFS solver to ensure the level is not impossible before adding it to the community pool.</a:t>
-            </a:r>
-          </a:p>
-          <a:p>
-            <a:r>
-              <a:rPr lang="en-US" dirty="0"/>
-              <a:t>This dramatically increases the game's </a:t>
-            </a:r>
-            <a:r>
-              <a:rPr lang="en-US" dirty="0" err="1"/>
-              <a:t>replayability</a:t>
-            </a:r>
-            <a:r>
-              <a:rPr lang="en-US" dirty="0"/>
-              <a:t>.</a:t>
-            </a:r>
-          </a:p>
-          <a:p>
-            <a:r>
-              <a:rPr lang="en-US" dirty="0"/>
-              <a:t>(Tip: Show a screenshot of the level editor in action.)</a:t>
-            </a:r>
-          </a:p>
-        </p:txBody>
-      </p:sp>
-      <p:pic>
-        <p:nvPicPr>
-          <p:cNvPr id="13" name="Picture 12">
-            <a:extLst>
-              <a:ext uri="{FF2B5EF4-FFF2-40B4-BE49-F238E27FC236}">
-                <a16:creationId xmlns:a16="http://schemas.microsoft.com/office/drawing/2014/main" id="{EA5873E0-745A-1081-4C0E-C40FF92835CC}"/>
-              </a:ext>
-            </a:extLst>
-          </p:cNvPr>
-          <p:cNvPicPr>
-            <a:picLocks noChangeAspect="1"/>
-          </p:cNvPicPr>
-          <p:nvPr/>
-        </p:nvPicPr>
-        <p:blipFill>
-          <a:blip r:embed="rId6"/>
-          <a:srcRect t="1699"/>
-          <a:stretch>
-            <a:fillRect/>
-          </a:stretch>
-        </p:blipFill>
-        <p:spPr>
-          <a:xfrm>
-            <a:off x="5833872" y="1644760"/>
-            <a:ext cx="6152991" cy="3568479"/>
-          </a:xfrm>
-          <a:prstGeom prst="rect">
-            <a:avLst/>
-          </a:prstGeom>
-        </p:spPr>
-      </p:pic>
-    </p:spTree>
-    <p:extLst>
-      <p:ext uri="{BB962C8B-B14F-4D97-AF65-F5344CB8AC3E}">
-        <p14:creationId xmlns:p14="http://schemas.microsoft.com/office/powerpoint/2010/main" val="2583924419"/>
-      </p:ext>
-    </p:extLst>
-  </p:cSld>
-  <p:clrMapOvr>
-    <a:masterClrMapping/>
-  </p:clrMapOvr>
-</p:sld>
-</file>
-
-<file path=ppt/slides/slide12.xml><?xml version="1.0" encoding="utf-8"?>
 <p:sld xmlns:a="http://schemas.openxmlformats.org/drawingml/2006/main" xmlns:r="http://schemas.openxmlformats.org/officeDocument/2006/relationships" xmlns:p="http://schemas.openxmlformats.org/presentationml/2006/main">
   <p:cSld>
     <p:spTree>
@@ -5060,7 +4752,7 @@
 </p:sld>
 </file>
 
-<file path=ppt/slides/slide13.xml><?xml version="1.0" encoding="utf-8"?>
+<file path=ppt/slides/slide12.xml><?xml version="1.0" encoding="utf-8"?>
 <p:sld xmlns:a="http://schemas.openxmlformats.org/drawingml/2006/main" xmlns:r="http://schemas.openxmlformats.org/officeDocument/2006/relationships" xmlns:p="http://schemas.openxmlformats.org/presentationml/2006/main">
   <p:cSld>
     <p:spTree>
@@ -5279,15 +4971,15 @@
         </p:nvPicPr>
         <p:blipFill>
           <a:blip r:embed="rId6"/>
-          <a:srcRect l="779" t="646" r="884"/>
+          <a:srcRect l="27205" t="646" r="28930"/>
           <a:stretch>
             <a:fillRect/>
           </a:stretch>
         </p:blipFill>
         <p:spPr>
           <a:xfrm>
-            <a:off x="3795419" y="111053"/>
-            <a:ext cx="4601160" cy="2742873"/>
+            <a:off x="9410513" y="2121099"/>
+            <a:ext cx="2476688" cy="3309882"/>
           </a:xfrm>
           <a:prstGeom prst="rect">
             <a:avLst/>
@@ -5308,8 +5000,8 @@
         </p:nvSpPr>
         <p:spPr>
           <a:xfrm>
-            <a:off x="396662" y="2113420"/>
-            <a:ext cx="11398675" cy="3618170"/>
+            <a:off x="304799" y="1078453"/>
+            <a:ext cx="8950538" cy="5003165"/>
           </a:xfrm>
           <a:prstGeom prst="rect">
             <a:avLst/>
@@ -5389,7 +5081,7 @@
 </p:sld>
 </file>
 
-<file path=ppt/slides/slide14.xml><?xml version="1.0" encoding="utf-8"?>
+<file path=ppt/slides/slide13.xml><?xml version="1.0" encoding="utf-8"?>
 <p:sld xmlns:a="http://schemas.openxmlformats.org/drawingml/2006/main" xmlns:r="http://schemas.openxmlformats.org/officeDocument/2006/relationships" xmlns:p="http://schemas.openxmlformats.org/presentationml/2006/main">
   <p:cSld>
     <p:spTree>
@@ -5774,10 +5466,10 @@
       </p:pic>
       <p:sp>
         <p:nvSpPr>
-          <p:cNvPr id="6" name="TextBox 5">
-            <a:extLst>
-              <a:ext uri="{FF2B5EF4-FFF2-40B4-BE49-F238E27FC236}">
-                <a16:creationId xmlns:a16="http://schemas.microsoft.com/office/drawing/2014/main" id="{76E0A9BC-E810-B500-C6C8-85C062FDA3C7}"/>
+          <p:cNvPr id="20" name="TextBox 19">
+            <a:extLst>
+              <a:ext uri="{FF2B5EF4-FFF2-40B4-BE49-F238E27FC236}">
+                <a16:creationId xmlns:a16="http://schemas.microsoft.com/office/drawing/2014/main" id="{564CECBB-A279-31E1-C5B6-8066C5CCFFB2}"/>
               </a:ext>
             </a:extLst>
           </p:cNvPr>
@@ -5786,8 +5478,8 @@
         </p:nvSpPr>
         <p:spPr>
           <a:xfrm>
-            <a:off x="360918" y="1234141"/>
-            <a:ext cx="10297222" cy="4247317"/>
+            <a:off x="798992" y="1070683"/>
+            <a:ext cx="9044570" cy="3970318"/>
           </a:xfrm>
           <a:prstGeom prst="rect">
             <a:avLst/>
@@ -5800,680 +5492,139 @@
           </a:bodyPr>
           <a:lstStyle/>
           <a:p>
-            <a:pPr algn="l">
-              <a:lnSpc>
-                <a:spcPts val="1800"/>
-              </a:lnSpc>
-              <a:buNone/>
-            </a:pPr>
-            <a:r>
-              <a:rPr lang="en-US" b="1" i="0" dirty="0">
-                <a:solidFill>
-                  <a:srgbClr val="1A1C1E"/>
-                </a:solidFill>
-                <a:effectLst/>
-                <a:latin typeface="Google Sans"/>
-              </a:rPr>
-              <a:t>The Main BFS Loop</a:t>
-            </a:r>
-            <a:endParaRPr lang="en-US" b="0" i="0" dirty="0">
-              <a:solidFill>
-                <a:srgbClr val="1A1C1E"/>
-              </a:solidFill>
-              <a:effectLst/>
-              <a:latin typeface="Google Sans"/>
-            </a:endParaRPr>
-          </a:p>
-          <a:p>
-            <a:pPr algn="l">
-              <a:lnSpc>
-                <a:spcPts val="1500"/>
-              </a:lnSpc>
-              <a:spcAft>
-                <a:spcPts val="225"/>
-              </a:spcAft>
-              <a:buFont typeface="Arial" panose="020B0604020202020204" pitchFamily="34" charset="0"/>
-              <a:buChar char="•"/>
-            </a:pPr>
-            <a:r>
-              <a:rPr lang="en-US" b="1" i="0" dirty="0">
-                <a:solidFill>
-                  <a:srgbClr val="1A1C1E"/>
-                </a:solidFill>
-                <a:effectLst/>
-                <a:latin typeface="DM Mono" panose="020B0509040201040103" pitchFamily="49" charset="0"/>
-              </a:rPr>
-              <a:t>for _ in range(</a:t>
-            </a:r>
-            <a:r>
-              <a:rPr lang="en-US" b="1" i="0" dirty="0" err="1">
-                <a:solidFill>
-                  <a:srgbClr val="1A1C1E"/>
-                </a:solidFill>
-                <a:effectLst/>
-                <a:latin typeface="DM Mono" panose="020B0509040201040103" pitchFamily="49" charset="0"/>
-              </a:rPr>
+            <a:endParaRPr lang="en-US" dirty="0"/>
+          </a:p>
+          <a:p>
+            <a:r>
+              <a:rPr lang="en-US" dirty="0"/>
+              <a:t>BFS Main Loop (Simplified)</a:t>
+            </a:r>
+          </a:p>
+          <a:p>
+            <a:endParaRPr lang="en-US" dirty="0"/>
+          </a:p>
+          <a:p>
+            <a:r>
+              <a:rPr lang="en-US" dirty="0"/>
+              <a:t>`for _ in range(</a:t>
+            </a:r>
+            <a:r>
+              <a:rPr lang="en-US" dirty="0" err="1"/>
               <a:t>max_iters</a:t>
             </a:r>
             <a:r>
-              <a:rPr lang="en-US" b="1" i="0" dirty="0">
-                <a:solidFill>
-                  <a:srgbClr val="1A1C1E"/>
-                </a:solidFill>
-                <a:effectLst/>
-                <a:latin typeface="DM Mono" panose="020B0509040201040103" pitchFamily="49" charset="0"/>
-              </a:rPr>
-              <a:t>):</a:t>
-            </a:r>
-            <a:r>
-              <a:rPr lang="en-US" b="0" i="0" dirty="0">
-                <a:solidFill>
-                  <a:srgbClr val="1A1C1E"/>
-                </a:solidFill>
-                <a:effectLst/>
-                <a:latin typeface="Google Sans Text"/>
-              </a:rPr>
-              <a:t>: The main loop that drives the search, limited by </a:t>
-            </a:r>
-            <a:r>
-              <a:rPr lang="en-US" b="0" i="0" dirty="0" err="1">
-                <a:solidFill>
-                  <a:srgbClr val="1A1C1E"/>
-                </a:solidFill>
-                <a:effectLst/>
-                <a:latin typeface="DM Mono" panose="020B0509040201040103" pitchFamily="49" charset="0"/>
-              </a:rPr>
+              <a:rPr lang="en-US" dirty="0"/>
+              <a:t>)`: repeat up to `</a:t>
+            </a:r>
+            <a:r>
+              <a:rPr lang="en-US" dirty="0" err="1"/>
               <a:t>max_iters</a:t>
             </a:r>
             <a:r>
-              <a:rPr lang="en-US" b="0" i="0" dirty="0">
-                <a:solidFill>
-                  <a:srgbClr val="1A1C1E"/>
-                </a:solidFill>
-                <a:effectLst/>
-                <a:latin typeface="Google Sans Text"/>
-              </a:rPr>
-              <a:t>.</a:t>
-            </a:r>
-          </a:p>
-          <a:p>
-            <a:pPr algn="l">
-              <a:lnSpc>
-                <a:spcPts val="1500"/>
-              </a:lnSpc>
-              <a:spcAft>
-                <a:spcPts val="225"/>
-              </a:spcAft>
-              <a:buFont typeface="Arial" panose="020B0604020202020204" pitchFamily="34" charset="0"/>
-              <a:buChar char="•"/>
-            </a:pPr>
-            <a:r>
-              <a:rPr lang="en-US" b="1" i="0" dirty="0">
-                <a:solidFill>
-                  <a:srgbClr val="1A1C1E"/>
-                </a:solidFill>
-                <a:effectLst/>
-                <a:latin typeface="DM Mono" panose="020B0509040201040103" pitchFamily="49" charset="0"/>
-              </a:rPr>
-              <a:t>if not queue: break</a:t>
-            </a:r>
-            <a:r>
-              <a:rPr lang="en-US" b="0" i="0" dirty="0">
-                <a:solidFill>
-                  <a:srgbClr val="1A1C1E"/>
-                </a:solidFill>
-                <a:effectLst/>
-                <a:latin typeface="Google Sans Text"/>
-              </a:rPr>
-              <a:t>: If the queue becomes empty, it means we have explored every reachable state from the start position and none of them was a winning state. The level is unsolvable.</a:t>
-            </a:r>
-          </a:p>
-          <a:p>
-            <a:pPr algn="l">
-              <a:lnSpc>
-                <a:spcPts val="1500"/>
-              </a:lnSpc>
-              <a:spcAft>
-                <a:spcPts val="225"/>
-              </a:spcAft>
-              <a:buFont typeface="Arial" panose="020B0604020202020204" pitchFamily="34" charset="0"/>
-              <a:buChar char="•"/>
-            </a:pPr>
-            <a:r>
-              <a:rPr lang="en-US" b="1" i="0" dirty="0" err="1">
-                <a:solidFill>
-                  <a:srgbClr val="1A1C1E"/>
-                </a:solidFill>
-                <a:effectLst/>
-                <a:latin typeface="DM Mono" panose="020B0509040201040103" pitchFamily="49" charset="0"/>
-              </a:rPr>
+              <a:rPr lang="en-US" dirty="0"/>
+              <a:t>`</a:t>
+            </a:r>
+          </a:p>
+          <a:p>
+            <a:r>
+              <a:rPr lang="en-US" dirty="0"/>
+              <a:t>`if not queue: break`: stop if no states left to explore</a:t>
+            </a:r>
+          </a:p>
+          <a:p>
+            <a:r>
+              <a:rPr lang="en-US" dirty="0"/>
+              <a:t>`</a:t>
+            </a:r>
+            <a:r>
+              <a:rPr lang="en-US" dirty="0" err="1"/>
               <a:t>current_board</a:t>
             </a:r>
             <a:r>
-              <a:rPr lang="en-US" b="1" i="0" dirty="0">
-                <a:solidFill>
-                  <a:srgbClr val="1A1C1E"/>
-                </a:solidFill>
-                <a:effectLst/>
-                <a:latin typeface="DM Mono" panose="020B0509040201040103" pitchFamily="49" charset="0"/>
-              </a:rPr>
+              <a:rPr lang="en-US" dirty="0"/>
               <a:t>, path = </a:t>
             </a:r>
             <a:r>
-              <a:rPr lang="en-US" b="1" i="0" dirty="0" err="1">
-                <a:solidFill>
-                  <a:srgbClr val="1A1C1E"/>
-                </a:solidFill>
-                <a:effectLst/>
-                <a:latin typeface="DM Mono" panose="020B0509040201040103" pitchFamily="49" charset="0"/>
-              </a:rPr>
+              <a:rPr lang="en-US" dirty="0" err="1"/>
               <a:t>queue.popleft</a:t>
             </a:r>
             <a:r>
-              <a:rPr lang="en-US" b="1" i="0" dirty="0">
-                <a:solidFill>
-                  <a:srgbClr val="1A1C1E"/>
-                </a:solidFill>
-                <a:effectLst/>
-                <a:latin typeface="DM Mono" panose="020B0509040201040103" pitchFamily="49" charset="0"/>
-              </a:rPr>
-              <a:t>()</a:t>
-            </a:r>
-            <a:r>
-              <a:rPr lang="en-US" b="0" i="0" dirty="0">
-                <a:solidFill>
-                  <a:srgbClr val="1A1C1E"/>
-                </a:solidFill>
-                <a:effectLst/>
-                <a:latin typeface="Google Sans Text"/>
-              </a:rPr>
-              <a:t>: This is the core of BFS. It retrieves the oldest un-explored state from the front of the queue.</a:t>
-            </a:r>
-          </a:p>
-          <a:p>
-            <a:pPr algn="l">
-              <a:lnSpc>
-                <a:spcPts val="1500"/>
-              </a:lnSpc>
-              <a:spcAft>
-                <a:spcPts val="225"/>
-              </a:spcAft>
-              <a:buFont typeface="Arial" panose="020B0604020202020204" pitchFamily="34" charset="0"/>
-              <a:buChar char="•"/>
-            </a:pPr>
-            <a:r>
-              <a:rPr lang="en-US" b="1" i="0" dirty="0">
-                <a:solidFill>
-                  <a:srgbClr val="1A1C1E"/>
-                </a:solidFill>
-                <a:effectLst/>
-                <a:latin typeface="DM Mono" panose="020B0509040201040103" pitchFamily="49" charset="0"/>
-              </a:rPr>
-              <a:t>if </a:t>
-            </a:r>
-            <a:r>
-              <a:rPr lang="en-US" b="1" i="0" dirty="0" err="1">
-                <a:solidFill>
-                  <a:srgbClr val="1A1C1E"/>
-                </a:solidFill>
-                <a:effectLst/>
-                <a:latin typeface="DM Mono" panose="020B0509040201040103" pitchFamily="49" charset="0"/>
-              </a:rPr>
+              <a:rPr lang="en-US" dirty="0"/>
+              <a:t>()`: get the next state</a:t>
+            </a:r>
+          </a:p>
+          <a:p>
+            <a:r>
+              <a:rPr lang="en-US" dirty="0"/>
+              <a:t>`if </a:t>
+            </a:r>
+            <a:r>
+              <a:rPr lang="en-US" dirty="0" err="1"/>
               <a:t>is_win</a:t>
             </a:r>
             <a:r>
-              <a:rPr lang="en-US" b="1" i="0" dirty="0">
-                <a:solidFill>
-                  <a:srgbClr val="1A1C1E"/>
-                </a:solidFill>
-                <a:effectLst/>
-                <a:latin typeface="DM Mono" panose="020B0509040201040103" pitchFamily="49" charset="0"/>
-              </a:rPr>
+              <a:rPr lang="en-US" dirty="0"/>
               <a:t>(</a:t>
             </a:r>
             <a:r>
-              <a:rPr lang="en-US" b="1" i="0" dirty="0" err="1">
-                <a:solidFill>
-                  <a:srgbClr val="1A1C1E"/>
-                </a:solidFill>
-                <a:effectLst/>
-                <a:latin typeface="DM Mono" panose="020B0509040201040103" pitchFamily="49" charset="0"/>
-              </a:rPr>
+              <a:rPr lang="en-US" dirty="0" err="1"/>
               <a:t>current_board</a:t>
             </a:r>
             <a:r>
-              <a:rPr lang="en-US" b="1" i="0" dirty="0">
-                <a:solidFill>
-                  <a:srgbClr val="1A1C1E"/>
-                </a:solidFill>
-                <a:effectLst/>
-                <a:latin typeface="DM Mono" panose="020B0509040201040103" pitchFamily="49" charset="0"/>
-              </a:rPr>
-              <a:t>, </a:t>
-            </a:r>
-            <a:r>
-              <a:rPr lang="en-US" b="1" i="0" dirty="0" err="1">
-                <a:solidFill>
-                  <a:srgbClr val="1A1C1E"/>
-                </a:solidFill>
-                <a:effectLst/>
-                <a:latin typeface="DM Mono" panose="020B0509040201040103" pitchFamily="49" charset="0"/>
-              </a:rPr>
-              <a:t>target_mask</a:t>
-            </a:r>
-            <a:r>
-              <a:rPr lang="en-US" b="1" i="0" dirty="0">
-                <a:solidFill>
-                  <a:srgbClr val="1A1C1E"/>
-                </a:solidFill>
-                <a:effectLst/>
-                <a:latin typeface="DM Mono" panose="020B0509040201040103" pitchFamily="49" charset="0"/>
-              </a:rPr>
-              <a:t>): return path</a:t>
-            </a:r>
-            <a:r>
-              <a:rPr lang="en-US" b="0" i="0" dirty="0">
-                <a:solidFill>
-                  <a:srgbClr val="1A1C1E"/>
-                </a:solidFill>
-                <a:effectLst/>
-                <a:latin typeface="Google Sans Text"/>
-              </a:rPr>
-              <a:t>: Checks if the current state is a solution. If it is, the path taken to get here is returned. Because BFS explores layer-by-layer, the first solution found is guaranteed to be one of the shortest in terms of move count.</a:t>
-            </a:r>
-          </a:p>
-          <a:p>
-            <a:pPr algn="l">
-              <a:lnSpc>
-                <a:spcPts val="1500"/>
-              </a:lnSpc>
-              <a:spcAft>
-                <a:spcPts val="225"/>
-              </a:spcAft>
-              <a:buFont typeface="Arial" panose="020B0604020202020204" pitchFamily="34" charset="0"/>
-              <a:buChar char="•"/>
-            </a:pPr>
-            <a:r>
-              <a:rPr lang="en-US" b="1" i="0" dirty="0">
-                <a:solidFill>
-                  <a:srgbClr val="1A1C1E"/>
-                </a:solidFill>
-                <a:effectLst/>
-                <a:latin typeface="DM Mono" panose="020B0509040201040103" pitchFamily="49" charset="0"/>
-              </a:rPr>
-              <a:t>for direction in [(-1, 0), (1, 0), (0, -1), (0, 1)]:</a:t>
-            </a:r>
-            <a:r>
-              <a:rPr lang="en-US" b="0" i="0" dirty="0">
-                <a:solidFill>
-                  <a:srgbClr val="1A1C1E"/>
-                </a:solidFill>
-                <a:effectLst/>
-                <a:latin typeface="Google Sans Text"/>
-              </a:rPr>
-              <a:t>: It iterates through the four possible moves (Up, Down, Left, Right).</a:t>
-            </a:r>
-          </a:p>
-          <a:p>
-            <a:pPr algn="l">
-              <a:lnSpc>
-                <a:spcPts val="1500"/>
-              </a:lnSpc>
-              <a:spcAft>
-                <a:spcPts val="225"/>
-              </a:spcAft>
-              <a:buFont typeface="Arial" panose="020B0604020202020204" pitchFamily="34" charset="0"/>
-              <a:buChar char="•"/>
-            </a:pPr>
-            <a:r>
-              <a:rPr lang="en-US" b="1" i="0" dirty="0" err="1">
-                <a:solidFill>
-                  <a:srgbClr val="1A1C1E"/>
-                </a:solidFill>
-                <a:effectLst/>
-                <a:latin typeface="DM Mono" panose="020B0509040201040103" pitchFamily="49" charset="0"/>
-              </a:rPr>
+              <a:rPr lang="en-US" dirty="0"/>
+              <a:t>)`: found a solution → return path</a:t>
+            </a:r>
+          </a:p>
+          <a:p>
+            <a:r>
+              <a:rPr lang="en-US" dirty="0"/>
+              <a:t>`for direction in [up, down, left, right]`: try each move</a:t>
+            </a:r>
+          </a:p>
+          <a:p>
+            <a:endParaRPr lang="en-US" dirty="0"/>
+          </a:p>
+          <a:p>
+            <a:r>
+              <a:rPr lang="en-US" dirty="0"/>
+              <a:t>  	 `</a:t>
+            </a:r>
+            <a:r>
+              <a:rPr lang="en-US" dirty="0" err="1"/>
               <a:t>next_board</a:t>
             </a:r>
             <a:r>
-              <a:rPr lang="en-US" b="1" i="0" dirty="0">
-                <a:solidFill>
-                  <a:srgbClr val="1A1C1E"/>
-                </a:solidFill>
-                <a:effectLst/>
-                <a:latin typeface="DM Mono" panose="020B0509040201040103" pitchFamily="49" charset="0"/>
-              </a:rPr>
-              <a:t> = move(...)</a:t>
-            </a:r>
-            <a:r>
-              <a:rPr lang="en-US" b="0" i="0" dirty="0">
-                <a:solidFill>
-                  <a:srgbClr val="1A1C1E"/>
-                </a:solidFill>
-                <a:effectLst/>
-                <a:latin typeface="Google Sans Text"/>
-              </a:rPr>
-              <a:t>: Attempts to perform a move. The </a:t>
-            </a:r>
-            <a:r>
-              <a:rPr lang="en-US" b="0" i="0" dirty="0">
-                <a:solidFill>
-                  <a:srgbClr val="1A1C1E"/>
-                </a:solidFill>
-                <a:effectLst/>
-                <a:latin typeface="DM Mono" panose="020B0509040201040103" pitchFamily="49" charset="0"/>
-              </a:rPr>
-              <a:t>move</a:t>
-            </a:r>
-            <a:r>
-              <a:rPr lang="en-US" b="0" i="0" dirty="0">
-                <a:solidFill>
-                  <a:srgbClr val="1A1C1E"/>
-                </a:solidFill>
-                <a:effectLst/>
-                <a:latin typeface="Google Sans Text"/>
-              </a:rPr>
-              <a:t> function returns the new board state if the move is valid, or </a:t>
-            </a:r>
-            <a:r>
-              <a:rPr lang="en-US" b="0" i="0" dirty="0">
-                <a:solidFill>
-                  <a:srgbClr val="1A1C1E"/>
-                </a:solidFill>
-                <a:effectLst/>
-                <a:latin typeface="DM Mono" panose="020B0509040201040103" pitchFamily="49" charset="0"/>
-              </a:rPr>
-              <a:t>None</a:t>
-            </a:r>
-            <a:r>
-              <a:rPr lang="en-US" b="0" i="0" dirty="0">
-                <a:solidFill>
-                  <a:srgbClr val="1A1C1E"/>
-                </a:solidFill>
-                <a:effectLst/>
-                <a:latin typeface="Google Sans Text"/>
-              </a:rPr>
-              <a:t> if it's invalid (e.g., moving into a wall).</a:t>
-            </a:r>
-          </a:p>
-          <a:p>
-            <a:pPr algn="l">
-              <a:lnSpc>
-                <a:spcPts val="1500"/>
-              </a:lnSpc>
-              <a:spcAft>
-                <a:spcPts val="225"/>
-              </a:spcAft>
-              <a:buFont typeface="Arial" panose="020B0604020202020204" pitchFamily="34" charset="0"/>
-              <a:buChar char="•"/>
-            </a:pPr>
-            <a:r>
-              <a:rPr lang="en-US" b="1" i="0" dirty="0">
-                <a:solidFill>
-                  <a:srgbClr val="1A1C1E"/>
-                </a:solidFill>
-                <a:effectLst/>
-                <a:latin typeface="DM Mono" panose="020B0509040201040103" pitchFamily="49" charset="0"/>
-              </a:rPr>
-              <a:t>if </a:t>
-            </a:r>
-            <a:r>
-              <a:rPr lang="en-US" b="1" i="0" dirty="0" err="1">
-                <a:solidFill>
-                  <a:srgbClr val="1A1C1E"/>
-                </a:solidFill>
-                <a:effectLst/>
-                <a:latin typeface="DM Mono" panose="020B0509040201040103" pitchFamily="49" charset="0"/>
-              </a:rPr>
+              <a:rPr lang="en-US" dirty="0"/>
+              <a:t> = move(...)`: apply the move</a:t>
+            </a:r>
+          </a:p>
+          <a:p>
+            <a:r>
+              <a:rPr lang="en-US" dirty="0"/>
+              <a:t>  	`if </a:t>
+            </a:r>
+            <a:r>
+              <a:rPr lang="en-US" dirty="0" err="1"/>
               <a:t>next_board</a:t>
             </a:r>
             <a:r>
-              <a:rPr lang="en-US" b="1" i="0" dirty="0">
-                <a:solidFill>
-                  <a:srgbClr val="1A1C1E"/>
-                </a:solidFill>
-                <a:effectLst/>
-                <a:latin typeface="DM Mono" panose="020B0509040201040103" pitchFamily="49" charset="0"/>
-              </a:rPr>
-              <a:t> is not None:</a:t>
-            </a:r>
-            <a:r>
-              <a:rPr lang="en-US" b="0" i="0" dirty="0">
-                <a:solidFill>
-                  <a:srgbClr val="1A1C1E"/>
-                </a:solidFill>
-                <a:effectLst/>
-                <a:latin typeface="Google Sans Text"/>
-              </a:rPr>
-              <a:t>: Proceeds only if the move was valid.</a:t>
-            </a:r>
-          </a:p>
-          <a:p>
-            <a:pPr algn="l">
-              <a:lnSpc>
-                <a:spcPts val="1500"/>
-              </a:lnSpc>
-              <a:spcAft>
-                <a:spcPts val="225"/>
-              </a:spcAft>
-              <a:buFont typeface="Arial" panose="020B0604020202020204" pitchFamily="34" charset="0"/>
-              <a:buChar char="•"/>
-            </a:pPr>
-            <a:r>
-              <a:rPr lang="en-US" b="1" i="0" dirty="0">
-                <a:solidFill>
-                  <a:srgbClr val="1A1C1E"/>
-                </a:solidFill>
-                <a:effectLst/>
-                <a:latin typeface="DM Mono" panose="020B0509040201040103" pitchFamily="49" charset="0"/>
-              </a:rPr>
-              <a:t>key = </a:t>
-            </a:r>
-            <a:r>
-              <a:rPr lang="en-US" b="1" i="0" dirty="0" err="1">
-                <a:solidFill>
-                  <a:srgbClr val="1A1C1E"/>
-                </a:solidFill>
-                <a:effectLst/>
-                <a:latin typeface="DM Mono" panose="020B0509040201040103" pitchFamily="49" charset="0"/>
-              </a:rPr>
-              <a:t>get_board_key</a:t>
-            </a:r>
-            <a:r>
-              <a:rPr lang="en-US" b="1" i="0" dirty="0">
-                <a:solidFill>
-                  <a:srgbClr val="1A1C1E"/>
-                </a:solidFill>
-                <a:effectLst/>
-                <a:latin typeface="DM Mono" panose="020B0509040201040103" pitchFamily="49" charset="0"/>
-              </a:rPr>
-              <a:t>(</a:t>
-            </a:r>
-            <a:r>
-              <a:rPr lang="en-US" b="1" i="0" dirty="0" err="1">
-                <a:solidFill>
-                  <a:srgbClr val="1A1C1E"/>
-                </a:solidFill>
-                <a:effectLst/>
-                <a:latin typeface="DM Mono" panose="020B0509040201040103" pitchFamily="49" charset="0"/>
-              </a:rPr>
-              <a:t>next_board</a:t>
-            </a:r>
-            <a:r>
-              <a:rPr lang="en-US" b="1" i="0" dirty="0">
-                <a:solidFill>
-                  <a:srgbClr val="1A1C1E"/>
-                </a:solidFill>
-                <a:effectLst/>
-                <a:latin typeface="DM Mono" panose="020B0509040201040103" pitchFamily="49" charset="0"/>
-              </a:rPr>
-              <a:t>)</a:t>
-            </a:r>
-            <a:r>
-              <a:rPr lang="en-US" b="0" i="0" dirty="0">
-                <a:solidFill>
-                  <a:srgbClr val="1A1C1E"/>
-                </a:solidFill>
-                <a:effectLst/>
-                <a:latin typeface="Google Sans Text"/>
-              </a:rPr>
-              <a:t>: Creates a unique key for the new board state.</a:t>
-            </a:r>
-          </a:p>
-          <a:p>
-            <a:pPr algn="l">
-              <a:lnSpc>
-                <a:spcPts val="1500"/>
-              </a:lnSpc>
-              <a:spcAft>
-                <a:spcPts val="225"/>
-              </a:spcAft>
-              <a:buFont typeface="Arial" panose="020B0604020202020204" pitchFamily="34" charset="0"/>
-              <a:buChar char="•"/>
-            </a:pPr>
-            <a:r>
-              <a:rPr lang="en-US" b="1" i="0" dirty="0">
-                <a:solidFill>
-                  <a:srgbClr val="1A1C1E"/>
-                </a:solidFill>
-                <a:effectLst/>
-                <a:latin typeface="DM Mono" panose="020B0509040201040103" pitchFamily="49" charset="0"/>
-              </a:rPr>
-              <a:t>if key not in visited:</a:t>
-            </a:r>
-            <a:r>
-              <a:rPr lang="en-US" b="0" i="0" dirty="0">
-                <a:solidFill>
-                  <a:srgbClr val="1A1C1E"/>
-                </a:solidFill>
-                <a:effectLst/>
-                <a:latin typeface="Google Sans Text"/>
-              </a:rPr>
-              <a:t>: This is the check to prevent cycles and redundant work. If we have never seen this state before:</a:t>
-            </a:r>
-          </a:p>
-          <a:p>
-            <a:pPr marL="742950" lvl="1" indent="-285750" algn="l">
-              <a:lnSpc>
-                <a:spcPts val="1500"/>
-              </a:lnSpc>
-              <a:spcAft>
-                <a:spcPts val="225"/>
-              </a:spcAft>
-              <a:buFont typeface="Arial" panose="020B0604020202020204" pitchFamily="34" charset="0"/>
-              <a:buChar char="•"/>
-            </a:pPr>
-            <a:r>
-              <a:rPr lang="en-US" b="1" i="0" dirty="0" err="1">
-                <a:solidFill>
-                  <a:srgbClr val="1A1C1E"/>
-                </a:solidFill>
-                <a:effectLst/>
-                <a:latin typeface="DM Mono" panose="020B0509040201040103" pitchFamily="49" charset="0"/>
-              </a:rPr>
-              <a:t>visited.add</a:t>
-            </a:r>
-            <a:r>
-              <a:rPr lang="en-US" b="1" i="0" dirty="0">
-                <a:solidFill>
-                  <a:srgbClr val="1A1C1E"/>
-                </a:solidFill>
-                <a:effectLst/>
-                <a:latin typeface="DM Mono" panose="020B0509040201040103" pitchFamily="49" charset="0"/>
-              </a:rPr>
-              <a:t>(key)</a:t>
-            </a:r>
-            <a:r>
-              <a:rPr lang="en-US" b="0" i="0" dirty="0">
-                <a:solidFill>
-                  <a:srgbClr val="1A1C1E"/>
-                </a:solidFill>
-                <a:effectLst/>
-                <a:latin typeface="Google Sans Text"/>
-              </a:rPr>
-              <a:t>: Mark it as visited.</a:t>
-            </a:r>
-          </a:p>
-          <a:p>
-            <a:pPr marL="742950" lvl="1" indent="-285750" algn="l">
-              <a:lnSpc>
-                <a:spcPts val="1500"/>
-              </a:lnSpc>
-              <a:spcAft>
-                <a:spcPts val="225"/>
-              </a:spcAft>
-              <a:buFont typeface="Arial" panose="020B0604020202020204" pitchFamily="34" charset="0"/>
-              <a:buChar char="•"/>
-            </a:pPr>
-            <a:r>
-              <a:rPr lang="en-US" b="1" i="0" dirty="0" err="1">
-                <a:solidFill>
-                  <a:srgbClr val="1A1C1E"/>
-                </a:solidFill>
-                <a:effectLst/>
-                <a:latin typeface="DM Mono" panose="020B0509040201040103" pitchFamily="49" charset="0"/>
-              </a:rPr>
-              <a:t>queue.append</a:t>
-            </a:r>
-            <a:r>
-              <a:rPr lang="en-US" b="1" i="0" dirty="0">
-                <a:solidFill>
-                  <a:srgbClr val="1A1C1E"/>
-                </a:solidFill>
-                <a:effectLst/>
-                <a:latin typeface="DM Mono" panose="020B0509040201040103" pitchFamily="49" charset="0"/>
-              </a:rPr>
-              <a:t>((</a:t>
-            </a:r>
-            <a:r>
-              <a:rPr lang="en-US" b="1" i="0" dirty="0" err="1">
-                <a:solidFill>
-                  <a:srgbClr val="1A1C1E"/>
-                </a:solidFill>
-                <a:effectLst/>
-                <a:latin typeface="DM Mono" panose="020B0509040201040103" pitchFamily="49" charset="0"/>
-              </a:rPr>
-              <a:t>next_board</a:t>
-            </a:r>
-            <a:r>
-              <a:rPr lang="en-US" b="1" i="0" dirty="0">
-                <a:solidFill>
-                  <a:srgbClr val="1A1C1E"/>
-                </a:solidFill>
-                <a:effectLst/>
-                <a:latin typeface="DM Mono" panose="020B0509040201040103" pitchFamily="49" charset="0"/>
-              </a:rPr>
-              <a:t>, path + [direction]))</a:t>
-            </a:r>
-            <a:r>
-              <a:rPr lang="en-US" b="0" i="0" dirty="0">
-                <a:solidFill>
-                  <a:srgbClr val="1A1C1E"/>
-                </a:solidFill>
-                <a:effectLst/>
-                <a:latin typeface="Google Sans Text"/>
-              </a:rPr>
-              <a:t>: Add the new state and its updated path to the </a:t>
-            </a:r>
-            <a:r>
-              <a:rPr lang="en-US" b="0" i="1" dirty="0">
-                <a:solidFill>
-                  <a:srgbClr val="1A1C1E"/>
-                </a:solidFill>
-                <a:effectLst/>
-                <a:latin typeface="Google Sans Text"/>
-              </a:rPr>
-              <a:t>end</a:t>
-            </a:r>
-            <a:r>
-              <a:rPr lang="en-US" b="0" i="0" dirty="0">
-                <a:solidFill>
-                  <a:srgbClr val="1A1C1E"/>
-                </a:solidFill>
-                <a:effectLst/>
-                <a:latin typeface="Google Sans Text"/>
-              </a:rPr>
-              <a:t> of the queue for future exploration.</a:t>
+              <a:rPr lang="en-US" dirty="0"/>
+              <a:t> and unseen`:</a:t>
+            </a:r>
+          </a:p>
+          <a:p>
+            <a:endParaRPr lang="en-US" dirty="0"/>
+          </a:p>
+          <a:p>
+            <a:r>
+              <a:rPr lang="en-US" dirty="0"/>
+              <a:t>    		mark as visited</a:t>
+            </a:r>
+          </a:p>
+          <a:p>
+            <a:r>
+              <a:rPr lang="en-US" dirty="0"/>
+              <a:t>    		add to queue with updated path</a:t>
             </a:r>
           </a:p>
         </p:txBody>
@@ -7277,8 +6428,8 @@
         </p:nvSpPr>
         <p:spPr>
           <a:xfrm>
-            <a:off x="969264" y="1689449"/>
-            <a:ext cx="9865689" cy="3139321"/>
+            <a:off x="681538" y="989980"/>
+            <a:ext cx="9865689" cy="4622869"/>
           </a:xfrm>
           <a:prstGeom prst="rect">
             <a:avLst/>
@@ -7292,6 +6443,9 @@
           <a:lstStyle/>
           <a:p>
             <a:pPr>
+              <a:lnSpc>
+                <a:spcPct val="150000"/>
+              </a:lnSpc>
               <a:buNone/>
             </a:pPr>
             <a:r>
@@ -7306,6 +6460,9 @@
           </a:p>
           <a:p>
             <a:pPr>
+              <a:lnSpc>
+                <a:spcPct val="150000"/>
+              </a:lnSpc>
               <a:buFont typeface="Arial" panose="020B0604020202020204" pitchFamily="34" charset="0"/>
               <a:buChar char="•"/>
             </a:pPr>
@@ -7320,6 +6477,9 @@
           </a:p>
           <a:p>
             <a:pPr>
+              <a:lnSpc>
+                <a:spcPct val="150000"/>
+              </a:lnSpc>
               <a:buFont typeface="Arial" panose="020B0604020202020204" pitchFamily="34" charset="0"/>
               <a:buChar char="•"/>
             </a:pPr>
@@ -7342,6 +6502,9 @@
           </a:p>
           <a:p>
             <a:pPr>
+              <a:lnSpc>
+                <a:spcPct val="150000"/>
+              </a:lnSpc>
               <a:buNone/>
             </a:pPr>
             <a:r>
@@ -7356,6 +6519,9 @@
           </a:p>
           <a:p>
             <a:pPr>
+              <a:lnSpc>
+                <a:spcPct val="150000"/>
+              </a:lnSpc>
               <a:buFont typeface="Arial" panose="020B0604020202020204" pitchFamily="34" charset="0"/>
               <a:buChar char="•"/>
             </a:pPr>
@@ -7370,6 +6536,9 @@
           </a:p>
           <a:p>
             <a:pPr>
+              <a:lnSpc>
+                <a:spcPct val="150000"/>
+              </a:lnSpc>
               <a:buFont typeface="Arial" panose="020B0604020202020204" pitchFamily="34" charset="0"/>
               <a:buChar char="•"/>
             </a:pPr>
@@ -7392,6 +6561,9 @@
           </a:p>
           <a:p>
             <a:pPr>
+              <a:lnSpc>
+                <a:spcPct val="150000"/>
+              </a:lnSpc>
               <a:buNone/>
             </a:pPr>
             <a:r>
@@ -7409,6 +6581,9 @@
           </a:p>
           <a:p>
             <a:pPr>
+              <a:lnSpc>
+                <a:spcPct val="150000"/>
+              </a:lnSpc>
               <a:buFont typeface="Arial" panose="020B0604020202020204" pitchFamily="34" charset="0"/>
               <a:buChar char="•"/>
             </a:pPr>
@@ -7420,6 +6595,9 @@
           </a:p>
           <a:p>
             <a:pPr>
+              <a:lnSpc>
+                <a:spcPct val="150000"/>
+              </a:lnSpc>
               <a:buFont typeface="Arial" panose="020B0604020202020204" pitchFamily="34" charset="0"/>
               <a:buChar char="•"/>
             </a:pPr>
@@ -7697,8 +6875,8 @@
         </p:nvSpPr>
         <p:spPr>
           <a:xfrm>
-            <a:off x="969264" y="1748136"/>
-            <a:ext cx="9893808" cy="2862322"/>
+            <a:off x="909829" y="1298242"/>
+            <a:ext cx="9893808" cy="3741281"/>
           </a:xfrm>
           <a:prstGeom prst="rect">
             <a:avLst/>
@@ -7711,50 +6889,85 @@
           </a:bodyPr>
           <a:lstStyle/>
           <a:p>
-            <a:r>
-              <a:rPr lang="en-US" b="1" dirty="0"/>
+            <a:pPr>
+              <a:lnSpc>
+                <a:spcPct val="150000"/>
+              </a:lnSpc>
+            </a:pPr>
+            <a:r>
+              <a:rPr lang="en-US" sz="2000" b="1" dirty="0"/>
               <a:t>The AI Solver (Part 1)</a:t>
             </a:r>
           </a:p>
           <a:p>
-            <a:endParaRPr lang="en-US" b="1" dirty="0"/>
-          </a:p>
-          <a:p>
-            <a:r>
-              <a:rPr lang="en-US" b="1" dirty="0"/>
+            <a:pPr>
+              <a:lnSpc>
+                <a:spcPct val="150000"/>
+              </a:lnSpc>
+            </a:pPr>
+            <a:endParaRPr lang="en-US" sz="2000" b="1" dirty="0"/>
+          </a:p>
+          <a:p>
+            <a:pPr>
+              <a:lnSpc>
+                <a:spcPct val="150000"/>
+              </a:lnSpc>
+            </a:pPr>
+            <a:r>
+              <a:rPr lang="en-US" sz="2000" b="1" dirty="0"/>
               <a:t>Finding the Optimal Path</a:t>
             </a:r>
           </a:p>
           <a:p>
-            <a:r>
-              <a:rPr lang="en-US" dirty="0"/>
+            <a:pPr>
+              <a:lnSpc>
+                <a:spcPct val="150000"/>
+              </a:lnSpc>
+            </a:pPr>
+            <a:r>
+              <a:rPr lang="en-US" sz="2000" dirty="0"/>
               <a:t>The Challenge: Find the shortest sequence of moves to solve any given level.</a:t>
             </a:r>
           </a:p>
           <a:p>
-            <a:endParaRPr lang="en-US" dirty="0"/>
-          </a:p>
-          <a:p>
-            <a:r>
-              <a:rPr lang="en-US" b="1" dirty="0"/>
+            <a:pPr>
+              <a:lnSpc>
+                <a:spcPct val="150000"/>
+              </a:lnSpc>
+            </a:pPr>
+            <a:endParaRPr lang="en-US" sz="2000" b="1" dirty="0"/>
+          </a:p>
+          <a:p>
+            <a:pPr>
+              <a:lnSpc>
+                <a:spcPct val="150000"/>
+              </a:lnSpc>
+            </a:pPr>
+            <a:r>
+              <a:rPr lang="en-US" sz="2000" b="1" dirty="0"/>
               <a:t>Our Algorithm Choice: Breadth-First Search (BFS)</a:t>
             </a:r>
-          </a:p>
-          <a:p>
-            <a:endParaRPr lang="en-US" dirty="0"/>
-          </a:p>
-          <a:p>
-            <a:r>
-              <a:rPr lang="en-US" dirty="0"/>
+            <a:endParaRPr lang="en-US" sz="2000" dirty="0"/>
+          </a:p>
+          <a:p>
+            <a:pPr>
+              <a:lnSpc>
+                <a:spcPct val="150000"/>
+              </a:lnSpc>
+            </a:pPr>
+            <a:r>
+              <a:rPr lang="en-US" sz="2000" dirty="0"/>
               <a:t>We chose BFS over DFS because it explores the "game state tree" level by level.</a:t>
             </a:r>
           </a:p>
           <a:p>
-            <a:endParaRPr lang="en-US" dirty="0"/>
-          </a:p>
-          <a:p>
-            <a:r>
-              <a:rPr lang="en-US" dirty="0"/>
+            <a:pPr>
+              <a:lnSpc>
+                <a:spcPct val="150000"/>
+              </a:lnSpc>
+            </a:pPr>
+            <a:r>
+              <a:rPr lang="en-US" sz="2000" dirty="0"/>
               <a:t>This guarantees that the first solution it finds will be the one with the fewest moves.</a:t>
             </a:r>
           </a:p>
